--- a/doc/fase1-slides.pptx
+++ b/doc/fase1-slides.pptx
@@ -5571,18 +5571,11 @@
           <a:p>
             <a:pPr algn="ctr"/>
             <a:r>
-              <a:rPr lang="pt-PT" sz="1400" u="sng" dirty="0">
-                <a:latin typeface="MS UI Gothic" panose="020B0600070205080204" pitchFamily="34" charset="-128"/>
-                <a:ea typeface="MS UI Gothic" panose="020B0600070205080204" pitchFamily="34" charset="-128"/>
-              </a:rPr>
-              <a:t>Ana Paula Carvalho</a:t>
-            </a:r>
-            <a:r>
               <a:rPr lang="pt-PT" sz="1400" dirty="0">
                 <a:latin typeface="MS UI Gothic" panose="020B0600070205080204" pitchFamily="34" charset="-128"/>
                 <a:ea typeface="MS UI Gothic" panose="020B0600070205080204" pitchFamily="34" charset="-128"/>
               </a:rPr>
-              <a:t>, Guilherme Guerreiro, João Barreira e José Bastos</a:t>
+              <a:t>Ana Paula Carvalho, Guilherme Guerreiro, João Barreira e José Bastos</a:t>
             </a:r>
           </a:p>
         </p:txBody>
@@ -6991,21 +6984,7 @@
                 <a:latin typeface="MS UI Gothic" panose="020B0600070205080204" pitchFamily="34" charset="-128"/>
                 <a:ea typeface="MS UI Gothic" panose="020B0600070205080204" pitchFamily="34" charset="-128"/>
               </a:rPr>
-              <a:t>Ana Paula Carvalho, Guilherme Guerreiro, </a:t>
-            </a:r>
-            <a:r>
-              <a:rPr lang="pt-PT" sz="1400" u="sng" dirty="0">
-                <a:latin typeface="MS UI Gothic" panose="020B0600070205080204" pitchFamily="34" charset="-128"/>
-                <a:ea typeface="MS UI Gothic" panose="020B0600070205080204" pitchFamily="34" charset="-128"/>
-              </a:rPr>
-              <a:t>João Barreira</a:t>
-            </a:r>
-            <a:r>
-              <a:rPr lang="pt-PT" sz="1400" dirty="0">
-                <a:latin typeface="MS UI Gothic" panose="020B0600070205080204" pitchFamily="34" charset="-128"/>
-                <a:ea typeface="MS UI Gothic" panose="020B0600070205080204" pitchFamily="34" charset="-128"/>
-              </a:rPr>
-              <a:t> e José Bastos</a:t>
+              <a:t>Ana Paula Carvalho, Guilherme Guerreiro, João Barreira e José Bastos</a:t>
             </a:r>
           </a:p>
         </p:txBody>
@@ -7158,21 +7137,7 @@
                 <a:latin typeface="MS UI Gothic" panose="020B0600070205080204" pitchFamily="34" charset="-128"/>
                 <a:ea typeface="MS UI Gothic" panose="020B0600070205080204" pitchFamily="34" charset="-128"/>
               </a:rPr>
-              <a:t>Ana Paula Carvalho, </a:t>
-            </a:r>
-            <a:r>
-              <a:rPr lang="pt-PT" sz="1400" u="sng" dirty="0">
-                <a:latin typeface="MS UI Gothic" panose="020B0600070205080204" pitchFamily="34" charset="-128"/>
-                <a:ea typeface="MS UI Gothic" panose="020B0600070205080204" pitchFamily="34" charset="-128"/>
-              </a:rPr>
-              <a:t>Guilherme Guerreiro</a:t>
-            </a:r>
-            <a:r>
-              <a:rPr lang="pt-PT" sz="1400" dirty="0">
-                <a:latin typeface="MS UI Gothic" panose="020B0600070205080204" pitchFamily="34" charset="-128"/>
-                <a:ea typeface="MS UI Gothic" panose="020B0600070205080204" pitchFamily="34" charset="-128"/>
-              </a:rPr>
-              <a:t>, João Barreira e José Bastos</a:t>
+              <a:t>Ana Paula Carvalho, Guilherme Guerreiro, João Barreira e José Bastos</a:t>
             </a:r>
           </a:p>
         </p:txBody>
@@ -7884,14 +7849,7 @@
                 <a:latin typeface="MS UI Gothic" panose="020B0600070205080204" pitchFamily="34" charset="-128"/>
                 <a:ea typeface="MS UI Gothic" panose="020B0600070205080204" pitchFamily="34" charset="-128"/>
               </a:rPr>
-              <a:t>Ana Paula Carvalho, Guilherme Guerreiro, João Barreira e </a:t>
-            </a:r>
-            <a:r>
-              <a:rPr lang="pt-PT" sz="1400" u="sng" dirty="0">
-                <a:latin typeface="MS UI Gothic" panose="020B0600070205080204" pitchFamily="34" charset="-128"/>
-                <a:ea typeface="MS UI Gothic" panose="020B0600070205080204" pitchFamily="34" charset="-128"/>
-              </a:rPr>
-              <a:t>José Bastos</a:t>
+              <a:t>Ana Paula Carvalho, Guilherme Guerreiro, João Barreira e José Bastos</a:t>
             </a:r>
           </a:p>
         </p:txBody>
@@ -9310,18 +9268,11 @@
           <a:p>
             <a:pPr algn="ctr"/>
             <a:r>
-              <a:rPr lang="pt-PT" sz="1400" u="sng" dirty="0">
-                <a:latin typeface="MS UI Gothic" panose="020B0600070205080204" pitchFamily="34" charset="-128"/>
-                <a:ea typeface="MS UI Gothic" panose="020B0600070205080204" pitchFamily="34" charset="-128"/>
-              </a:rPr>
-              <a:t>Ana Paula Carvalho</a:t>
-            </a:r>
-            <a:r>
               <a:rPr lang="pt-PT" sz="1400" dirty="0">
                 <a:latin typeface="MS UI Gothic" panose="020B0600070205080204" pitchFamily="34" charset="-128"/>
                 <a:ea typeface="MS UI Gothic" panose="020B0600070205080204" pitchFamily="34" charset="-128"/>
               </a:rPr>
-              <a:t>, Guilherme Guerreiro, João Barreira e José Bastos</a:t>
+              <a:t>Ana Paula Carvalho, Guilherme Guerreiro, João Barreira e José Bastos</a:t>
             </a:r>
           </a:p>
         </p:txBody>
@@ -9904,21 +9855,7 @@
                 <a:latin typeface="MS UI Gothic" panose="020B0600070205080204" pitchFamily="34" charset="-128"/>
                 <a:ea typeface="MS UI Gothic" panose="020B0600070205080204" pitchFamily="34" charset="-128"/>
               </a:rPr>
-              <a:t>Ana Paula Carvalho, Guilherme Guerreiro, </a:t>
-            </a:r>
-            <a:r>
-              <a:rPr lang="pt-PT" sz="1400" u="sng" dirty="0">
-                <a:latin typeface="MS UI Gothic" panose="020B0600070205080204" pitchFamily="34" charset="-128"/>
-                <a:ea typeface="MS UI Gothic" panose="020B0600070205080204" pitchFamily="34" charset="-128"/>
-              </a:rPr>
-              <a:t>João Barreira</a:t>
-            </a:r>
-            <a:r>
-              <a:rPr lang="pt-PT" sz="1400" dirty="0">
-                <a:latin typeface="MS UI Gothic" panose="020B0600070205080204" pitchFamily="34" charset="-128"/>
-                <a:ea typeface="MS UI Gothic" panose="020B0600070205080204" pitchFamily="34" charset="-128"/>
-              </a:rPr>
-              <a:t> e José Bastos</a:t>
+              <a:t>Ana Paula Carvalho, Guilherme Guerreiro, João Barreira e José Bastos</a:t>
             </a:r>
           </a:p>
         </p:txBody>
@@ -10811,21 +10748,7 @@
                 <a:latin typeface="MS UI Gothic" panose="020B0600070205080204" pitchFamily="34" charset="-128"/>
                 <a:ea typeface="MS UI Gothic" panose="020B0600070205080204" pitchFamily="34" charset="-128"/>
               </a:rPr>
-              <a:t>Ana Paula Carvalho, </a:t>
-            </a:r>
-            <a:r>
-              <a:rPr lang="pt-PT" sz="1400" u="sng" dirty="0">
-                <a:latin typeface="MS UI Gothic" panose="020B0600070205080204" pitchFamily="34" charset="-128"/>
-                <a:ea typeface="MS UI Gothic" panose="020B0600070205080204" pitchFamily="34" charset="-128"/>
-              </a:rPr>
-              <a:t>Guilherme Guerreiro</a:t>
-            </a:r>
-            <a:r>
-              <a:rPr lang="pt-PT" sz="1400" dirty="0">
-                <a:latin typeface="MS UI Gothic" panose="020B0600070205080204" pitchFamily="34" charset="-128"/>
-                <a:ea typeface="MS UI Gothic" panose="020B0600070205080204" pitchFamily="34" charset="-128"/>
-              </a:rPr>
-              <a:t>, João Barreira e José Bastos</a:t>
+              <a:t>Ana Paula Carvalho, Guilherme Guerreiro, João Barreira e José Bastos</a:t>
             </a:r>
           </a:p>
         </p:txBody>
@@ -11737,14 +11660,7 @@
                 <a:latin typeface="MS UI Gothic" panose="020B0600070205080204" pitchFamily="34" charset="-128"/>
                 <a:ea typeface="MS UI Gothic" panose="020B0600070205080204" pitchFamily="34" charset="-128"/>
               </a:rPr>
-              <a:t>Ana Paula Carvalho, Guilherme Guerreiro, João Barreira e </a:t>
-            </a:r>
-            <a:r>
-              <a:rPr lang="pt-PT" sz="1400" u="sng" dirty="0">
-                <a:latin typeface="MS UI Gothic" panose="020B0600070205080204" pitchFamily="34" charset="-128"/>
-                <a:ea typeface="MS UI Gothic" panose="020B0600070205080204" pitchFamily="34" charset="-128"/>
-              </a:rPr>
-              <a:t>José Bastos</a:t>
+              <a:t>Ana Paula Carvalho, Guilherme Guerreiro, João Barreira e José Bastos</a:t>
             </a:r>
           </a:p>
         </p:txBody>
